--- a/docker/local/docker_local.pptx
+++ b/docker/local/docker_local.pptx
@@ -210,7 +210,7 @@
           <a:p>
             <a:fld id="{013D7D23-95FE-4191-B08D-3CBB1E1CEEFE}" type="datetimeFigureOut">
               <a:rPr lang="pt-PT" smtClean="0"/>
-              <a:t>26/01/2024</a:t>
+              <a:t>28/03/2024</a:t>
             </a:fld>
             <a:endParaRPr lang="pt-PT" dirty="0"/>
           </a:p>
@@ -609,7 +609,7 @@
           <a:p>
             <a:fld id="{5C0ED97C-8255-4BAC-9D42-1F6A6651E287}" type="datetime1">
               <a:rPr lang="pt-PT" smtClean="0"/>
-              <a:t>26/01/2024</a:t>
+              <a:t>28/03/2024</a:t>
             </a:fld>
             <a:endParaRPr lang="pt-PT" dirty="0"/>
           </a:p>
@@ -779,7 +779,7 @@
           <a:p>
             <a:fld id="{4FCC8996-E467-4FE1-B165-4002860D0AC7}" type="datetime1">
               <a:rPr lang="pt-PT" smtClean="0"/>
-              <a:t>26/01/2024</a:t>
+              <a:t>28/03/2024</a:t>
             </a:fld>
             <a:endParaRPr lang="pt-PT" dirty="0"/>
           </a:p>
@@ -959,7 +959,7 @@
           <a:p>
             <a:fld id="{C104532E-E792-4BF5-B399-9E5E16070233}" type="datetime1">
               <a:rPr lang="pt-PT" smtClean="0"/>
-              <a:t>26/01/2024</a:t>
+              <a:t>28/03/2024</a:t>
             </a:fld>
             <a:endParaRPr lang="pt-PT" dirty="0"/>
           </a:p>
@@ -1169,7 +1169,7 @@
           <a:p>
             <a:fld id="{FF4AF87E-A15D-4480-B791-15D75F8AF848}" type="datetimeFigureOut">
               <a:rPr lang="pt-PT" smtClean="0"/>
-              <a:t>26/01/2024</a:t>
+              <a:t>28/03/2024</a:t>
             </a:fld>
             <a:endParaRPr lang="pt-PT"/>
           </a:p>
@@ -1369,7 +1369,7 @@
           <a:p>
             <a:fld id="{FF4AF87E-A15D-4480-B791-15D75F8AF848}" type="datetimeFigureOut">
               <a:rPr lang="pt-PT" smtClean="0"/>
-              <a:t>26/01/2024</a:t>
+              <a:t>28/03/2024</a:t>
             </a:fld>
             <a:endParaRPr lang="pt-PT"/>
           </a:p>
@@ -1645,7 +1645,7 @@
           <a:p>
             <a:fld id="{FF4AF87E-A15D-4480-B791-15D75F8AF848}" type="datetimeFigureOut">
               <a:rPr lang="pt-PT" smtClean="0"/>
-              <a:t>26/01/2024</a:t>
+              <a:t>28/03/2024</a:t>
             </a:fld>
             <a:endParaRPr lang="pt-PT"/>
           </a:p>
@@ -1913,7 +1913,7 @@
           <a:p>
             <a:fld id="{FF4AF87E-A15D-4480-B791-15D75F8AF848}" type="datetimeFigureOut">
               <a:rPr lang="pt-PT" smtClean="0"/>
-              <a:t>26/01/2024</a:t>
+              <a:t>28/03/2024</a:t>
             </a:fld>
             <a:endParaRPr lang="pt-PT"/>
           </a:p>
@@ -2328,7 +2328,7 @@
           <a:p>
             <a:fld id="{FF4AF87E-A15D-4480-B791-15D75F8AF848}" type="datetimeFigureOut">
               <a:rPr lang="pt-PT" smtClean="0"/>
-              <a:t>26/01/2024</a:t>
+              <a:t>28/03/2024</a:t>
             </a:fld>
             <a:endParaRPr lang="pt-PT"/>
           </a:p>
@@ -2470,7 +2470,7 @@
           <a:p>
             <a:fld id="{FF4AF87E-A15D-4480-B791-15D75F8AF848}" type="datetimeFigureOut">
               <a:rPr lang="pt-PT" smtClean="0"/>
-              <a:t>26/01/2024</a:t>
+              <a:t>28/03/2024</a:t>
             </a:fld>
             <a:endParaRPr lang="pt-PT"/>
           </a:p>
@@ -2583,7 +2583,7 @@
           <a:p>
             <a:fld id="{FF4AF87E-A15D-4480-B791-15D75F8AF848}" type="datetimeFigureOut">
               <a:rPr lang="pt-PT" smtClean="0"/>
-              <a:t>26/01/2024</a:t>
+              <a:t>28/03/2024</a:t>
             </a:fld>
             <a:endParaRPr lang="pt-PT"/>
           </a:p>
@@ -2896,7 +2896,7 @@
           <a:p>
             <a:fld id="{FF4AF87E-A15D-4480-B791-15D75F8AF848}" type="datetimeFigureOut">
               <a:rPr lang="pt-PT" smtClean="0"/>
-              <a:t>26/01/2024</a:t>
+              <a:t>28/03/2024</a:t>
             </a:fld>
             <a:endParaRPr lang="pt-PT"/>
           </a:p>
@@ -3078,7 +3078,7 @@
           <a:p>
             <a:fld id="{5FC36660-F7C2-4C37-BD61-E2E985519A54}" type="datetime1">
               <a:rPr lang="pt-PT" smtClean="0"/>
-              <a:t>26/01/2024</a:t>
+              <a:t>28/03/2024</a:t>
             </a:fld>
             <a:endParaRPr lang="pt-PT" dirty="0"/>
           </a:p>
@@ -3355,7 +3355,7 @@
           <a:p>
             <a:fld id="{FF4AF87E-A15D-4480-B791-15D75F8AF848}" type="datetimeFigureOut">
               <a:rPr lang="pt-PT" smtClean="0"/>
-              <a:t>26/01/2024</a:t>
+              <a:t>28/03/2024</a:t>
             </a:fld>
             <a:endParaRPr lang="pt-PT"/>
           </a:p>
@@ -3555,7 +3555,7 @@
           <a:p>
             <a:fld id="{FF4AF87E-A15D-4480-B791-15D75F8AF848}" type="datetimeFigureOut">
               <a:rPr lang="pt-PT" smtClean="0"/>
-              <a:t>26/01/2024</a:t>
+              <a:t>28/03/2024</a:t>
             </a:fld>
             <a:endParaRPr lang="pt-PT"/>
           </a:p>
@@ -3765,7 +3765,7 @@
           <a:p>
             <a:fld id="{FF4AF87E-A15D-4480-B791-15D75F8AF848}" type="datetimeFigureOut">
               <a:rPr lang="pt-PT" smtClean="0"/>
-              <a:t>26/01/2024</a:t>
+              <a:t>28/03/2024</a:t>
             </a:fld>
             <a:endParaRPr lang="pt-PT"/>
           </a:p>
@@ -4023,7 +4023,7 @@
           <a:p>
             <a:fld id="{EC1C553A-1723-4842-A3DB-E76BD21F5C6D}" type="datetime1">
               <a:rPr lang="pt-PT" smtClean="0"/>
-              <a:t>26/01/2024</a:t>
+              <a:t>28/03/2024</a:t>
             </a:fld>
             <a:endParaRPr lang="pt-PT" dirty="0"/>
           </a:p>
@@ -4255,7 +4255,7 @@
           <a:p>
             <a:fld id="{CE9B351E-3840-4886-B007-BC84D7C14686}" type="datetime1">
               <a:rPr lang="pt-PT" smtClean="0"/>
-              <a:t>26/01/2024</a:t>
+              <a:t>28/03/2024</a:t>
             </a:fld>
             <a:endParaRPr lang="pt-PT" dirty="0"/>
           </a:p>
@@ -4622,7 +4622,7 @@
           <a:p>
             <a:fld id="{C8686839-F4ED-436E-9AC9-AC7A0A0CD179}" type="datetime1">
               <a:rPr lang="pt-PT" smtClean="0"/>
-              <a:t>26/01/2024</a:t>
+              <a:t>28/03/2024</a:t>
             </a:fld>
             <a:endParaRPr lang="pt-PT" dirty="0"/>
           </a:p>
@@ -4740,7 +4740,7 @@
           <a:p>
             <a:fld id="{2AB82247-1A7C-4F98-8F33-5E4D07EFBF12}" type="datetime1">
               <a:rPr lang="pt-PT" smtClean="0"/>
-              <a:t>26/01/2024</a:t>
+              <a:t>28/03/2024</a:t>
             </a:fld>
             <a:endParaRPr lang="pt-PT" dirty="0"/>
           </a:p>
@@ -4835,7 +4835,7 @@
           <a:p>
             <a:fld id="{AFE320DE-3391-4A27-9653-F2BD505B9A08}" type="datetime1">
               <a:rPr lang="pt-PT" smtClean="0"/>
-              <a:t>26/01/2024</a:t>
+              <a:t>28/03/2024</a:t>
             </a:fld>
             <a:endParaRPr lang="pt-PT" dirty="0"/>
           </a:p>
@@ -5112,7 +5112,7 @@
           <a:p>
             <a:fld id="{E69250C8-88B2-4209-BD56-05813AC521DC}" type="datetime1">
               <a:rPr lang="pt-PT" smtClean="0"/>
-              <a:t>26/01/2024</a:t>
+              <a:t>28/03/2024</a:t>
             </a:fld>
             <a:endParaRPr lang="pt-PT" dirty="0"/>
           </a:p>
@@ -5365,7 +5365,7 @@
           <a:p>
             <a:fld id="{0B847055-2F12-42A4-9432-334276564B1D}" type="datetime1">
               <a:rPr lang="pt-PT" smtClean="0"/>
-              <a:t>26/01/2024</a:t>
+              <a:t>28/03/2024</a:t>
             </a:fld>
             <a:endParaRPr lang="pt-PT" dirty="0"/>
           </a:p>
@@ -5578,7 +5578,7 @@
           <a:p>
             <a:fld id="{B0883CD8-EC5B-4369-8F97-BE1E84F10887}" type="datetime1">
               <a:rPr lang="pt-PT" smtClean="0"/>
-              <a:t>26/01/2024</a:t>
+              <a:t>28/03/2024</a:t>
             </a:fld>
             <a:endParaRPr lang="pt-PT" dirty="0"/>
           </a:p>
@@ -6137,7 +6137,7 @@
           <a:p>
             <a:fld id="{FF4AF87E-A15D-4480-B791-15D75F8AF848}" type="datetimeFigureOut">
               <a:rPr lang="pt-PT" smtClean="0"/>
-              <a:t>26/01/2024</a:t>
+              <a:t>28/03/2024</a:t>
             </a:fld>
             <a:endParaRPr lang="pt-PT"/>
           </a:p>
@@ -6737,10 +6737,10 @@
       </p:sp>
       <p:grpSp>
         <p:nvGrpSpPr>
-          <p:cNvPr id="4" name="Group 3">
+          <p:cNvPr id="3" name="Group 2">
             <a:extLst>
               <a:ext uri="{FF2B5EF4-FFF2-40B4-BE49-F238E27FC236}">
-                <a16:creationId xmlns:a16="http://schemas.microsoft.com/office/drawing/2014/main" id="{095CBFD5-E094-4A70-9D48-80F9797C7A05}"/>
+                <a16:creationId xmlns:a16="http://schemas.microsoft.com/office/drawing/2014/main" id="{70D436C2-DB6B-5714-2F6F-F7D7D28EE83C}"/>
               </a:ext>
             </a:extLst>
           </p:cNvPr>
@@ -6749,18 +6749,18 @@
         </p:nvGrpSpPr>
         <p:grpSpPr>
           <a:xfrm>
-            <a:off x="10086908" y="123804"/>
-            <a:ext cx="808680" cy="283293"/>
+            <a:off x="10108275" y="419683"/>
+            <a:ext cx="1108443" cy="283293"/>
             <a:chOff x="5611636" y="5954426"/>
-            <a:chExt cx="808681" cy="283293"/>
+            <a:chExt cx="1108444" cy="283293"/>
           </a:xfrm>
         </p:grpSpPr>
         <p:pic>
           <p:nvPicPr>
-            <p:cNvPr id="6" name="Picture 5" descr="Icon&#10;&#10;Description automatically generated">
+            <p:cNvPr id="8" name="Picture 7" descr="Icon&#10;&#10;Description automatically generated">
               <a:extLst>
                 <a:ext uri="{FF2B5EF4-FFF2-40B4-BE49-F238E27FC236}">
-                  <a16:creationId xmlns:a16="http://schemas.microsoft.com/office/drawing/2014/main" id="{86687F78-A9D8-4667-94CF-C248CE12FF6F}"/>
+                  <a16:creationId xmlns:a16="http://schemas.microsoft.com/office/drawing/2014/main" id="{EE0CAB82-5038-8416-0024-5FF02F45C6FB}"/>
                 </a:ext>
               </a:extLst>
             </p:cNvPr>
@@ -6793,10 +6793,10 @@
         </p:pic>
         <p:sp>
           <p:nvSpPr>
-            <p:cNvPr id="7" name="Retângulo 5">
+            <p:cNvPr id="9" name="Retângulo 5">
               <a:extLst>
                 <a:ext uri="{FF2B5EF4-FFF2-40B4-BE49-F238E27FC236}">
-                  <a16:creationId xmlns:a16="http://schemas.microsoft.com/office/drawing/2014/main" id="{56D5644E-FA48-4CE4-A21B-E356A7A74D85}"/>
+                  <a16:creationId xmlns:a16="http://schemas.microsoft.com/office/drawing/2014/main" id="{5F94D78B-E9D8-761B-3F64-ACD98EEFAF82}"/>
                 </a:ext>
               </a:extLst>
             </p:cNvPr>
@@ -6806,7 +6806,7 @@
           <p:spPr>
             <a:xfrm>
               <a:off x="6107411" y="5954426"/>
-              <a:ext cx="312906" cy="276999"/>
+              <a:ext cx="612669" cy="276999"/>
             </a:xfrm>
             <a:prstGeom prst="rect">
               <a:avLst/>
@@ -6848,7 +6848,7 @@
                   <a:uFillTx/>
                   <a:hlinkClick r:id="rId3" action="ppaction://hlinkpres?slideindex=1&amp;slidetitle="/>
                 </a:rPr>
-                <a:t>AI</a:t>
+                <a:t>docker</a:t>
               </a:r>
               <a:endParaRPr kumimoji="0" lang="en-US" sz="1200" b="0" i="0" u="none" strike="noStrike" kern="0" cap="none" spc="0" normalizeH="0" baseline="0" noProof="0" dirty="0">
                 <a:ln>
@@ -6864,6 +6864,126 @@
             </a:p>
           </p:txBody>
         </p:sp>
+      </p:grpSp>
+      <p:grpSp>
+        <p:nvGrpSpPr>
+          <p:cNvPr id="10" name="Group 9">
+            <a:extLst>
+              <a:ext uri="{FF2B5EF4-FFF2-40B4-BE49-F238E27FC236}">
+                <a16:creationId xmlns:a16="http://schemas.microsoft.com/office/drawing/2014/main" id="{1F3E2F3B-7DAD-E455-C983-0A73A62E1494}"/>
+              </a:ext>
+            </a:extLst>
+          </p:cNvPr>
+          <p:cNvGrpSpPr/>
+          <p:nvPr/>
+        </p:nvGrpSpPr>
+        <p:grpSpPr>
+          <a:xfrm>
+            <a:off x="10171265" y="110581"/>
+            <a:ext cx="871592" cy="299662"/>
+            <a:chOff x="1643297" y="4045816"/>
+            <a:chExt cx="871592" cy="299662"/>
+          </a:xfrm>
+        </p:grpSpPr>
+        <p:sp>
+          <p:nvSpPr>
+            <p:cNvPr id="11" name="CaixaDeTexto 17">
+              <a:hlinkClick r:id="rId4" action="ppaction://program"/>
+              <a:extLst>
+                <a:ext uri="{FF2B5EF4-FFF2-40B4-BE49-F238E27FC236}">
+                  <a16:creationId xmlns:a16="http://schemas.microsoft.com/office/drawing/2014/main" id="{0700EAA5-459C-EA4D-3C9D-A05793E121EA}"/>
+                </a:ext>
+              </a:extLst>
+            </p:cNvPr>
+            <p:cNvSpPr txBox="1"/>
+            <p:nvPr/>
+          </p:nvSpPr>
+          <p:spPr>
+            <a:xfrm>
+              <a:off x="1980063" y="4103314"/>
+              <a:ext cx="534826" cy="184666"/>
+            </a:xfrm>
+            <a:prstGeom prst="rect">
+              <a:avLst/>
+            </a:prstGeom>
+            <a:noFill/>
+            <a:effectLst>
+              <a:outerShdw blurRad="50800" dist="76200" dir="2700000" algn="tl" rotWithShape="0">
+                <a:prstClr val="black">
+                  <a:alpha val="40000"/>
+                </a:prstClr>
+              </a:outerShdw>
+            </a:effectLst>
+          </p:spPr>
+          <p:txBody>
+            <a:bodyPr wrap="none" lIns="0" tIns="0" rIns="0" bIns="0" rtlCol="0">
+              <a:spAutoFit/>
+            </a:bodyPr>
+            <a:lstStyle/>
+            <a:p>
+              <a:pPr defTabSz="914369">
+                <a:defRPr/>
+              </a:pPr>
+              <a:r>
+                <a:rPr lang="en-US" sz="1200" u="sng" dirty="0">
+                  <a:solidFill>
+                    <a:srgbClr val="4472C4">
+                      <a:lumMod val="50000"/>
+                    </a:srgbClr>
+                  </a:solidFill>
+                  <a:latin typeface="Calibri Light" panose="020F0302020204030204"/>
+                  <a:hlinkClick r:id="rId5" action="ppaction://hlinkfile"/>
+                </a:rPr>
+                <a:t>portfolio</a:t>
+              </a:r>
+              <a:endParaRPr lang="en-US" sz="1200" u="sng" dirty="0">
+                <a:solidFill>
+                  <a:srgbClr val="4472C4">
+                    <a:lumMod val="50000"/>
+                  </a:srgbClr>
+                </a:solidFill>
+                <a:latin typeface="Calibri Light" panose="020F0302020204030204"/>
+              </a:endParaRPr>
+            </a:p>
+          </p:txBody>
+        </p:sp>
+        <p:pic>
+          <p:nvPicPr>
+            <p:cNvPr id="12" name="Imagem 18">
+              <a:hlinkClick r:id="rId4" action="ppaction://program"/>
+              <a:extLst>
+                <a:ext uri="{FF2B5EF4-FFF2-40B4-BE49-F238E27FC236}">
+                  <a16:creationId xmlns:a16="http://schemas.microsoft.com/office/drawing/2014/main" id="{D0363A66-A6CC-CBA9-7A13-5C8EBA03AF42}"/>
+                </a:ext>
+              </a:extLst>
+            </p:cNvPr>
+            <p:cNvPicPr>
+              <a:picLocks noChangeAspect="1"/>
+            </p:cNvPicPr>
+            <p:nvPr/>
+          </p:nvPicPr>
+          <p:blipFill>
+            <a:blip r:embed="rId6" cstate="print">
+              <a:extLst>
+                <a:ext uri="{28A0092B-C50C-407E-A947-70E740481C1C}">
+                  <a14:useLocalDpi xmlns:a14="http://schemas.microsoft.com/office/drawing/2010/main" val="0"/>
+                </a:ext>
+              </a:extLst>
+            </a:blip>
+            <a:stretch>
+              <a:fillRect/>
+            </a:stretch>
+          </p:blipFill>
+          <p:spPr>
+            <a:xfrm>
+              <a:off x="1643297" y="4045816"/>
+              <a:ext cx="295651" cy="299662"/>
+            </a:xfrm>
+            <a:prstGeom prst="rect">
+              <a:avLst/>
+            </a:prstGeom>
+          </p:spPr>
+        </p:pic>
       </p:grpSp>
     </p:spTree>
     <p:extLst>
